--- a/_site/files/img/eval-flowchart-flowchart.pptx
+++ b/_site/files/img/eval-flowchart-flowchart.pptx
@@ -347,7 +347,7 @@
           <a:p>
             <a:fld id="{8AFA555F-02DC-459F-9430-C874DD7B9E27}" type="datetimeFigureOut">
               <a:rPr lang="es-MX" smtClean="0"/>
-              <a:t>31/07/2022</a:t>
+              <a:t>22/08/2022</a:t>
             </a:fld>
             <a:endParaRPr lang="es-MX"/>
           </a:p>
@@ -547,7 +547,7 @@
           <a:p>
             <a:fld id="{8AFA555F-02DC-459F-9430-C874DD7B9E27}" type="datetimeFigureOut">
               <a:rPr lang="es-MX" smtClean="0"/>
-              <a:t>31/07/2022</a:t>
+              <a:t>22/08/2022</a:t>
             </a:fld>
             <a:endParaRPr lang="es-MX"/>
           </a:p>
@@ -757,7 +757,7 @@
           <a:p>
             <a:fld id="{8AFA555F-02DC-459F-9430-C874DD7B9E27}" type="datetimeFigureOut">
               <a:rPr lang="es-MX" smtClean="0"/>
-              <a:t>31/07/2022</a:t>
+              <a:t>22/08/2022</a:t>
             </a:fld>
             <a:endParaRPr lang="es-MX"/>
           </a:p>
@@ -957,7 +957,7 @@
           <a:p>
             <a:fld id="{8AFA555F-02DC-459F-9430-C874DD7B9E27}" type="datetimeFigureOut">
               <a:rPr lang="es-MX" smtClean="0"/>
-              <a:t>31/07/2022</a:t>
+              <a:t>22/08/2022</a:t>
             </a:fld>
             <a:endParaRPr lang="es-MX"/>
           </a:p>
@@ -1233,7 +1233,7 @@
           <a:p>
             <a:fld id="{8AFA555F-02DC-459F-9430-C874DD7B9E27}" type="datetimeFigureOut">
               <a:rPr lang="es-MX" smtClean="0"/>
-              <a:t>31/07/2022</a:t>
+              <a:t>22/08/2022</a:t>
             </a:fld>
             <a:endParaRPr lang="es-MX"/>
           </a:p>
@@ -1501,7 +1501,7 @@
           <a:p>
             <a:fld id="{8AFA555F-02DC-459F-9430-C874DD7B9E27}" type="datetimeFigureOut">
               <a:rPr lang="es-MX" smtClean="0"/>
-              <a:t>31/07/2022</a:t>
+              <a:t>22/08/2022</a:t>
             </a:fld>
             <a:endParaRPr lang="es-MX"/>
           </a:p>
@@ -1916,7 +1916,7 @@
           <a:p>
             <a:fld id="{8AFA555F-02DC-459F-9430-C874DD7B9E27}" type="datetimeFigureOut">
               <a:rPr lang="es-MX" smtClean="0"/>
-              <a:t>31/07/2022</a:t>
+              <a:t>22/08/2022</a:t>
             </a:fld>
             <a:endParaRPr lang="es-MX"/>
           </a:p>
@@ -2058,7 +2058,7 @@
           <a:p>
             <a:fld id="{8AFA555F-02DC-459F-9430-C874DD7B9E27}" type="datetimeFigureOut">
               <a:rPr lang="es-MX" smtClean="0"/>
-              <a:t>31/07/2022</a:t>
+              <a:t>22/08/2022</a:t>
             </a:fld>
             <a:endParaRPr lang="es-MX"/>
           </a:p>
@@ -2171,7 +2171,7 @@
           <a:p>
             <a:fld id="{8AFA555F-02DC-459F-9430-C874DD7B9E27}" type="datetimeFigureOut">
               <a:rPr lang="es-MX" smtClean="0"/>
-              <a:t>31/07/2022</a:t>
+              <a:t>22/08/2022</a:t>
             </a:fld>
             <a:endParaRPr lang="es-MX"/>
           </a:p>
@@ -2484,7 +2484,7 @@
           <a:p>
             <a:fld id="{8AFA555F-02DC-459F-9430-C874DD7B9E27}" type="datetimeFigureOut">
               <a:rPr lang="es-MX" smtClean="0"/>
-              <a:t>31/07/2022</a:t>
+              <a:t>22/08/2022</a:t>
             </a:fld>
             <a:endParaRPr lang="es-MX"/>
           </a:p>
@@ -2773,7 +2773,7 @@
           <a:p>
             <a:fld id="{8AFA555F-02DC-459F-9430-C874DD7B9E27}" type="datetimeFigureOut">
               <a:rPr lang="es-MX" smtClean="0"/>
-              <a:t>31/07/2022</a:t>
+              <a:t>22/08/2022</a:t>
             </a:fld>
             <a:endParaRPr lang="es-MX"/>
           </a:p>
@@ -3016,7 +3016,7 @@
           <a:p>
             <a:fld id="{8AFA555F-02DC-459F-9430-C874DD7B9E27}" type="datetimeFigureOut">
               <a:rPr lang="es-MX" smtClean="0"/>
-              <a:t>31/07/2022</a:t>
+              <a:t>22/08/2022</a:t>
             </a:fld>
             <a:endParaRPr lang="es-MX"/>
           </a:p>
@@ -3448,9 +3448,9 @@
         <p:grpSpPr>
           <a:xfrm>
             <a:off x="153623" y="508023"/>
-            <a:ext cx="11790923" cy="4926070"/>
+            <a:ext cx="11790923" cy="4935048"/>
             <a:chOff x="153623" y="508023"/>
-            <a:chExt cx="11790923" cy="4926070"/>
+            <a:chExt cx="11790923" cy="4935048"/>
           </a:xfrm>
         </p:grpSpPr>
         <p:sp>
@@ -3572,9 +3572,9 @@
           <p:grpSpPr>
             <a:xfrm>
               <a:off x="4474610" y="3411199"/>
-              <a:ext cx="6678704" cy="2022894"/>
+              <a:ext cx="6678704" cy="2031872"/>
               <a:chOff x="4903693" y="3697977"/>
-              <a:chExt cx="6678704" cy="2022894"/>
+              <a:chExt cx="6678704" cy="2031872"/>
             </a:xfrm>
           </p:grpSpPr>
           <p:pic>
@@ -3648,7 +3648,7 @@
                     </a:solidFill>
                     <a:latin typeface="Arial Black" panose="020B0A04020102020204" pitchFamily="34" charset="0"/>
                   </a:rPr>
-                  <a:t>R para Ciencia de Datos en Salud 3</a:t>
+                  <a:t>R para Ciencia de Datos en Salud</a:t>
                 </a:r>
               </a:p>
             </p:txBody>
@@ -3668,7 +3668,7 @@
             <p:spPr>
               <a:xfrm>
                 <a:off x="6875926" y="5021963"/>
-                <a:ext cx="4706471" cy="400110"/>
+                <a:ext cx="4706471" cy="707886"/>
               </a:xfrm>
               <a:prstGeom prst="rect">
                 <a:avLst/>
@@ -3687,7 +3687,7 @@
                       <a:srgbClr val="77918C"/>
                     </a:solidFill>
                   </a:rPr>
-                  <a:t>Análisis Descriptivo e Inferencia Estadística</a:t>
+                  <a:t>Análisis Descriptivo e Inferencia Estadística (Segunda Edición)</a:t>
                 </a:r>
                 <a:endParaRPr lang="es-MX" sz="2000" b="1" dirty="0">
                   <a:solidFill>
@@ -4437,56 +4437,12 @@
           <a:chExt cx="0" cy="0"/>
         </a:xfrm>
       </p:grpSpPr>
-      <p:sp>
-        <p:nvSpPr>
-          <p:cNvPr id="4" name="CuadroTexto 3">
-            <a:extLst>
-              <a:ext uri="{FF2B5EF4-FFF2-40B4-BE49-F238E27FC236}">
-                <a16:creationId xmlns:a16="http://schemas.microsoft.com/office/drawing/2014/main" id="{F3632AF5-5374-66DB-0DCE-58D45F66B16C}"/>
-              </a:ext>
-            </a:extLst>
-          </p:cNvPr>
-          <p:cNvSpPr txBox="1"/>
-          <p:nvPr/>
-        </p:nvSpPr>
-        <p:spPr>
-          <a:xfrm>
-            <a:off x="4774318" y="2769153"/>
-            <a:ext cx="7556030" cy="523220"/>
-          </a:xfrm>
-          <a:prstGeom prst="rect">
-            <a:avLst/>
-          </a:prstGeom>
-          <a:noFill/>
-        </p:spPr>
-        <p:txBody>
-          <a:bodyPr wrap="square">
-            <a:spAutoFit/>
-          </a:bodyPr>
-          <a:lstStyle/>
-          <a:p>
-            <a:r>
-              <a:rPr lang="es-ES" sz="2800" b="1" dirty="0">
-                <a:solidFill>
-                  <a:srgbClr val="77918C"/>
-                </a:solidFill>
-              </a:rPr>
-              <a:t>Análisis Descriptivo e Inferencia Estadística</a:t>
-            </a:r>
-            <a:endParaRPr lang="es-MX" sz="2800" b="1" dirty="0">
-              <a:solidFill>
-                <a:srgbClr val="77918C"/>
-              </a:solidFill>
-            </a:endParaRPr>
-          </a:p>
-        </p:txBody>
-      </p:sp>
       <p:grpSp>
         <p:nvGrpSpPr>
-          <p:cNvPr id="8" name="Grupo 7">
-            <a:extLst>
-              <a:ext uri="{FF2B5EF4-FFF2-40B4-BE49-F238E27FC236}">
-                <a16:creationId xmlns:a16="http://schemas.microsoft.com/office/drawing/2014/main" id="{1BC128E0-D051-B386-1051-63784BCFA8E4}"/>
+          <p:cNvPr id="5" name="Grupo 4">
+            <a:extLst>
+              <a:ext uri="{FF2B5EF4-FFF2-40B4-BE49-F238E27FC236}">
+                <a16:creationId xmlns:a16="http://schemas.microsoft.com/office/drawing/2014/main" id="{20DC9150-06E6-7D65-CF24-DE09565A28ED}"/>
               </a:ext>
             </a:extLst>
           </p:cNvPr>
@@ -4496,53 +4452,17 @@
         <p:grpSpPr>
           <a:xfrm>
             <a:off x="295226" y="656079"/>
-            <a:ext cx="11780845" cy="4897143"/>
+            <a:ext cx="12035122" cy="4897143"/>
             <a:chOff x="295226" y="656079"/>
-            <a:chExt cx="11780845" cy="4897143"/>
+            <a:chExt cx="12035122" cy="4897143"/>
           </a:xfrm>
         </p:grpSpPr>
-        <p:pic>
-          <p:nvPicPr>
-            <p:cNvPr id="2" name="Imagen 1" descr="Imagen que contiene Gráfico&#10;&#10;Descripción generada automáticamente">
+        <p:sp>
+          <p:nvSpPr>
+            <p:cNvPr id="4" name="CuadroTexto 3">
               <a:extLst>
                 <a:ext uri="{FF2B5EF4-FFF2-40B4-BE49-F238E27FC236}">
-                  <a16:creationId xmlns:a16="http://schemas.microsoft.com/office/drawing/2014/main" id="{BC73B5AF-E367-D612-4630-53825D1EC1DD}"/>
-                </a:ext>
-              </a:extLst>
-            </p:cNvPr>
-            <p:cNvPicPr>
-              <a:picLocks noChangeAspect="1"/>
-            </p:cNvPicPr>
-            <p:nvPr/>
-          </p:nvPicPr>
-          <p:blipFill>
-            <a:blip r:embed="rId2">
-              <a:extLst>
-                <a:ext uri="{28A0092B-C50C-407E-A947-70E740481C1C}">
-                  <a14:useLocalDpi xmlns:a14="http://schemas.microsoft.com/office/drawing/2010/main" val="0"/>
-                </a:ext>
-              </a:extLst>
-            </a:blip>
-            <a:stretch>
-              <a:fillRect/>
-            </a:stretch>
-          </p:blipFill>
-          <p:spPr>
-            <a:xfrm>
-              <a:off x="295226" y="656079"/>
-              <a:ext cx="4231949" cy="4897143"/>
-            </a:xfrm>
-            <a:prstGeom prst="rect">
-              <a:avLst/>
-            </a:prstGeom>
-          </p:spPr>
-        </p:pic>
-        <p:sp>
-          <p:nvSpPr>
-            <p:cNvPr id="3" name="CuadroTexto 2">
-              <a:extLst>
-                <a:ext uri="{FF2B5EF4-FFF2-40B4-BE49-F238E27FC236}">
-                  <a16:creationId xmlns:a16="http://schemas.microsoft.com/office/drawing/2014/main" id="{2F6961CE-BE24-C8B0-39E1-AF4A72DA3650}"/>
+                  <a16:creationId xmlns:a16="http://schemas.microsoft.com/office/drawing/2014/main" id="{F3632AF5-5374-66DB-0DCE-58D45F66B16C}"/>
                 </a:ext>
               </a:extLst>
             </p:cNvPr>
@@ -4551,48 +4471,8 @@
           </p:nvSpPr>
           <p:spPr>
             <a:xfrm>
-              <a:off x="4706472" y="1051021"/>
-              <a:ext cx="7369599" cy="1754326"/>
-            </a:xfrm>
-            <a:prstGeom prst="rect">
-              <a:avLst/>
-            </a:prstGeom>
-            <a:noFill/>
-          </p:spPr>
-          <p:txBody>
-            <a:bodyPr wrap="square" rtlCol="0">
-              <a:spAutoFit/>
-            </a:bodyPr>
-            <a:lstStyle/>
-            <a:p>
-              <a:r>
-                <a:rPr lang="es-ES" sz="5400" b="1" dirty="0">
-                  <a:solidFill>
-                    <a:srgbClr val="546864"/>
-                  </a:solidFill>
-                  <a:latin typeface="Arial Black" panose="020B0A04020102020204" pitchFamily="34" charset="0"/>
-                </a:rPr>
-                <a:t>R para Ciencia de Datos en Salud 3</a:t>
-              </a:r>
-            </a:p>
-          </p:txBody>
-        </p:sp>
-        <p:sp>
-          <p:nvSpPr>
-            <p:cNvPr id="6" name="CuadroTexto 5">
-              <a:extLst>
-                <a:ext uri="{FF2B5EF4-FFF2-40B4-BE49-F238E27FC236}">
-                  <a16:creationId xmlns:a16="http://schemas.microsoft.com/office/drawing/2014/main" id="{FB86B236-735D-4563-2C3D-DE7655861E39}"/>
-                </a:ext>
-              </a:extLst>
-            </p:cNvPr>
-            <p:cNvSpPr txBox="1"/>
-            <p:nvPr/>
-          </p:nvSpPr>
-          <p:spPr>
-            <a:xfrm>
-              <a:off x="4774318" y="3408578"/>
-              <a:ext cx="7036681" cy="1426224"/>
+              <a:off x="4774318" y="2742259"/>
+              <a:ext cx="7556030" cy="954107"/>
             </a:xfrm>
             <a:prstGeom prst="rect">
               <a:avLst/>
@@ -4605,84 +4485,225 @@
             </a:bodyPr>
             <a:lstStyle/>
             <a:p>
-              <a:pPr>
-                <a:lnSpc>
-                  <a:spcPct val="150000"/>
-                </a:lnSpc>
-              </a:pPr>
               <a:r>
-                <a:rPr lang="es-MX" sz="2000" b="0" i="0" dirty="0">
-                  <a:effectLst/>
-                  <a:latin typeface="Barlow" panose="020B0604020202020204" pitchFamily="2" charset="0"/>
+                <a:rPr lang="es-ES" sz="2800" b="1" dirty="0">
+                  <a:solidFill>
+                    <a:srgbClr val="77918C"/>
+                  </a:solidFill>
                 </a:rPr>
-                <a:t>R4HDS 202203-Invierno 2022</a:t>
+                <a:t>Análisis Descriptivo e Inferencia Estadística (Segunda Edición)</a:t>
               </a:r>
-              <a:endParaRPr lang="es-MX" sz="2000" dirty="0">
-                <a:latin typeface="Barlow" panose="020B0604020202020204" pitchFamily="2" charset="0"/>
+              <a:endParaRPr lang="es-MX" sz="2800" b="1" dirty="0">
+                <a:solidFill>
+                  <a:srgbClr val="77918C"/>
+                </a:solidFill>
               </a:endParaRPr>
-            </a:p>
-            <a:p>
-              <a:pPr>
-                <a:lnSpc>
-                  <a:spcPct val="150000"/>
-                </a:lnSpc>
-              </a:pPr>
-              <a:r>
-                <a:rPr lang="es-MX" sz="2000" b="0" i="0" dirty="0" err="1">
-                  <a:effectLst/>
-                  <a:latin typeface="Barlow" panose="00000500000000000000" pitchFamily="2" charset="0"/>
-                </a:rPr>
-                <a:t>InkaStats</a:t>
-              </a:r>
-              <a:r>
-                <a:rPr lang="es-MX" sz="2000" b="0" i="0" dirty="0">
-                  <a:effectLst/>
-                  <a:latin typeface="Barlow" panose="00000500000000000000" pitchFamily="2" charset="0"/>
-                </a:rPr>
-                <a:t> Data </a:t>
-              </a:r>
-              <a:r>
-                <a:rPr lang="es-MX" sz="2000" b="0" i="0" dirty="0" err="1">
-                  <a:effectLst/>
-                  <a:latin typeface="Barlow" panose="00000500000000000000" pitchFamily="2" charset="0"/>
-                </a:rPr>
-                <a:t>Science</a:t>
-              </a:r>
-              <a:r>
-                <a:rPr lang="es-MX" sz="2000" b="0" i="0" dirty="0">
-                  <a:effectLst/>
-                  <a:latin typeface="Barlow" panose="00000500000000000000" pitchFamily="2" charset="0"/>
-                </a:rPr>
-                <a:t> </a:t>
-              </a:r>
-              <a:r>
-                <a:rPr lang="es-MX" sz="2000" b="0" i="0" dirty="0" err="1">
-                  <a:effectLst/>
-                  <a:latin typeface="Barlow" panose="00000500000000000000" pitchFamily="2" charset="0"/>
-                </a:rPr>
-                <a:t>Solutions</a:t>
-              </a:r>
-              <a:r>
-                <a:rPr lang="es-MX" sz="2000" b="0" i="0" dirty="0">
-                  <a:effectLst/>
-                  <a:latin typeface="Barlow" panose="00000500000000000000" pitchFamily="2" charset="0"/>
-                </a:rPr>
-                <a:t> | Medical Branch</a:t>
-              </a:r>
-              <a:br>
-                <a:rPr lang="es-MX" sz="2000" dirty="0"/>
-              </a:br>
-              <a:r>
-                <a:rPr lang="es-MX" sz="2000" b="0" i="0" dirty="0">
-                  <a:effectLst/>
-                  <a:latin typeface="Barlow" panose="00000500000000000000" pitchFamily="2" charset="0"/>
-                </a:rPr>
-                <a:t>Virtual [Asincrónico &amp; Sincrónico]</a:t>
-              </a:r>
-              <a:endParaRPr lang="es-MX" sz="2000" b="1" dirty="0"/>
             </a:p>
           </p:txBody>
         </p:sp>
+        <p:grpSp>
+          <p:nvGrpSpPr>
+            <p:cNvPr id="8" name="Grupo 7">
+              <a:extLst>
+                <a:ext uri="{FF2B5EF4-FFF2-40B4-BE49-F238E27FC236}">
+                  <a16:creationId xmlns:a16="http://schemas.microsoft.com/office/drawing/2014/main" id="{1BC128E0-D051-B386-1051-63784BCFA8E4}"/>
+                </a:ext>
+              </a:extLst>
+            </p:cNvPr>
+            <p:cNvGrpSpPr/>
+            <p:nvPr/>
+          </p:nvGrpSpPr>
+          <p:grpSpPr>
+            <a:xfrm>
+              <a:off x="295226" y="656079"/>
+              <a:ext cx="11780845" cy="4897143"/>
+              <a:chOff x="295226" y="656079"/>
+              <a:chExt cx="11780845" cy="4897143"/>
+            </a:xfrm>
+          </p:grpSpPr>
+          <p:pic>
+            <p:nvPicPr>
+              <p:cNvPr id="2" name="Imagen 1" descr="Imagen que contiene Gráfico&#10;&#10;Descripción generada automáticamente">
+                <a:extLst>
+                  <a:ext uri="{FF2B5EF4-FFF2-40B4-BE49-F238E27FC236}">
+                    <a16:creationId xmlns:a16="http://schemas.microsoft.com/office/drawing/2014/main" id="{BC73B5AF-E367-D612-4630-53825D1EC1DD}"/>
+                  </a:ext>
+                </a:extLst>
+              </p:cNvPr>
+              <p:cNvPicPr>
+                <a:picLocks noChangeAspect="1"/>
+              </p:cNvPicPr>
+              <p:nvPr/>
+            </p:nvPicPr>
+            <p:blipFill>
+              <a:blip r:embed="rId2">
+                <a:extLst>
+                  <a:ext uri="{28A0092B-C50C-407E-A947-70E740481C1C}">
+                    <a14:useLocalDpi xmlns:a14="http://schemas.microsoft.com/office/drawing/2010/main" val="0"/>
+                  </a:ext>
+                </a:extLst>
+              </a:blip>
+              <a:stretch>
+                <a:fillRect/>
+              </a:stretch>
+            </p:blipFill>
+            <p:spPr>
+              <a:xfrm>
+                <a:off x="295226" y="656079"/>
+                <a:ext cx="4231949" cy="4897143"/>
+              </a:xfrm>
+              <a:prstGeom prst="rect">
+                <a:avLst/>
+              </a:prstGeom>
+            </p:spPr>
+          </p:pic>
+          <p:sp>
+            <p:nvSpPr>
+              <p:cNvPr id="3" name="CuadroTexto 2">
+                <a:extLst>
+                  <a:ext uri="{FF2B5EF4-FFF2-40B4-BE49-F238E27FC236}">
+                    <a16:creationId xmlns:a16="http://schemas.microsoft.com/office/drawing/2014/main" id="{2F6961CE-BE24-C8B0-39E1-AF4A72DA3650}"/>
+                  </a:ext>
+                </a:extLst>
+              </p:cNvPr>
+              <p:cNvSpPr txBox="1"/>
+              <p:nvPr/>
+            </p:nvSpPr>
+            <p:spPr>
+              <a:xfrm>
+                <a:off x="4706472" y="1051021"/>
+                <a:ext cx="7369599" cy="1754326"/>
+              </a:xfrm>
+              <a:prstGeom prst="rect">
+                <a:avLst/>
+              </a:prstGeom>
+              <a:noFill/>
+            </p:spPr>
+            <p:txBody>
+              <a:bodyPr wrap="square" rtlCol="0">
+                <a:spAutoFit/>
+              </a:bodyPr>
+              <a:lstStyle/>
+              <a:p>
+                <a:r>
+                  <a:rPr lang="es-ES" sz="5400" b="1" dirty="0">
+                    <a:solidFill>
+                      <a:srgbClr val="546864"/>
+                    </a:solidFill>
+                    <a:latin typeface="Arial Black" panose="020B0A04020102020204" pitchFamily="34" charset="0"/>
+                  </a:rPr>
+                  <a:t>R para Ciencia de Datos en Salud</a:t>
+                </a:r>
+              </a:p>
+            </p:txBody>
+          </p:sp>
+          <p:sp>
+            <p:nvSpPr>
+              <p:cNvPr id="6" name="CuadroTexto 5">
+                <a:extLst>
+                  <a:ext uri="{FF2B5EF4-FFF2-40B4-BE49-F238E27FC236}">
+                    <a16:creationId xmlns:a16="http://schemas.microsoft.com/office/drawing/2014/main" id="{FB86B236-735D-4563-2C3D-DE7655861E39}"/>
+                  </a:ext>
+                </a:extLst>
+              </p:cNvPr>
+              <p:cNvSpPr txBox="1"/>
+              <p:nvPr/>
+            </p:nvSpPr>
+            <p:spPr>
+              <a:xfrm>
+                <a:off x="4774318" y="3596840"/>
+                <a:ext cx="7036681" cy="1426224"/>
+              </a:xfrm>
+              <a:prstGeom prst="rect">
+                <a:avLst/>
+              </a:prstGeom>
+              <a:noFill/>
+            </p:spPr>
+            <p:txBody>
+              <a:bodyPr wrap="square">
+                <a:spAutoFit/>
+              </a:bodyPr>
+              <a:lstStyle/>
+              <a:p>
+                <a:pPr>
+                  <a:lnSpc>
+                    <a:spcPct val="150000"/>
+                  </a:lnSpc>
+                </a:pPr>
+                <a:r>
+                  <a:rPr lang="es-MX" sz="2000" b="0" i="0" dirty="0">
+                    <a:effectLst/>
+                    <a:latin typeface="Barlow" panose="020B0604020202020204" pitchFamily="2" charset="0"/>
+                  </a:rPr>
+                  <a:t>R4HDS 202203-Invierno 2022</a:t>
+                </a:r>
+                <a:endParaRPr lang="es-MX" sz="2000" dirty="0">
+                  <a:latin typeface="Barlow" panose="020B0604020202020204" pitchFamily="2" charset="0"/>
+                </a:endParaRPr>
+              </a:p>
+              <a:p>
+                <a:pPr>
+                  <a:lnSpc>
+                    <a:spcPct val="150000"/>
+                  </a:lnSpc>
+                </a:pPr>
+                <a:r>
+                  <a:rPr lang="es-MX" sz="2000" b="0" i="0" dirty="0" err="1">
+                    <a:effectLst/>
+                    <a:latin typeface="Barlow" panose="00000500000000000000" pitchFamily="2" charset="0"/>
+                  </a:rPr>
+                  <a:t>InkaStats</a:t>
+                </a:r>
+                <a:r>
+                  <a:rPr lang="es-MX" sz="2000" b="0" i="0" dirty="0">
+                    <a:effectLst/>
+                    <a:latin typeface="Barlow" panose="00000500000000000000" pitchFamily="2" charset="0"/>
+                  </a:rPr>
+                  <a:t> Data </a:t>
+                </a:r>
+                <a:r>
+                  <a:rPr lang="es-MX" sz="2000" b="0" i="0" dirty="0" err="1">
+                    <a:effectLst/>
+                    <a:latin typeface="Barlow" panose="00000500000000000000" pitchFamily="2" charset="0"/>
+                  </a:rPr>
+                  <a:t>Science</a:t>
+                </a:r>
+                <a:r>
+                  <a:rPr lang="es-MX" sz="2000" b="0" i="0" dirty="0">
+                    <a:effectLst/>
+                    <a:latin typeface="Barlow" panose="00000500000000000000" pitchFamily="2" charset="0"/>
+                  </a:rPr>
+                  <a:t> </a:t>
+                </a:r>
+                <a:r>
+                  <a:rPr lang="es-MX" sz="2000" b="0" i="0" dirty="0" err="1">
+                    <a:effectLst/>
+                    <a:latin typeface="Barlow" panose="00000500000000000000" pitchFamily="2" charset="0"/>
+                  </a:rPr>
+                  <a:t>Solutions</a:t>
+                </a:r>
+                <a:r>
+                  <a:rPr lang="es-MX" sz="2000" b="0" i="0" dirty="0">
+                    <a:effectLst/>
+                    <a:latin typeface="Barlow" panose="00000500000000000000" pitchFamily="2" charset="0"/>
+                  </a:rPr>
+                  <a:t> | Medical Branch</a:t>
+                </a:r>
+                <a:br>
+                  <a:rPr lang="es-MX" sz="2000" dirty="0"/>
+                </a:br>
+                <a:r>
+                  <a:rPr lang="es-MX" sz="2000" b="0" i="0" dirty="0">
+                    <a:effectLst/>
+                    <a:latin typeface="Barlow" panose="00000500000000000000" pitchFamily="2" charset="0"/>
+                  </a:rPr>
+                  <a:t>Virtual [Asincrónico &amp; Sincrónico]</a:t>
+                </a:r>
+                <a:endParaRPr lang="es-MX" sz="2000" b="1" dirty="0"/>
+              </a:p>
+            </p:txBody>
+          </p:sp>
+        </p:grpSp>
       </p:grpSp>
     </p:spTree>
     <p:extLst>
